--- a/Leçons/diapo/LP09.pptx
+++ b/Leçons/diapo/LP09.pptx
@@ -12,7 +12,9 @@
     <p:sldId id="268" r:id="rId6"/>
     <p:sldId id="266" r:id="rId7"/>
     <p:sldId id="267" r:id="rId8"/>
-    <p:sldId id="271" r:id="rId9"/>
+    <p:sldId id="272" r:id="rId9"/>
+    <p:sldId id="274" r:id="rId10"/>
+    <p:sldId id="271" r:id="rId11"/>
   </p:sldIdLst>
   <p:sldSz cx="12192000" cy="6858000"/>
   <p:notesSz cx="6858000" cy="9144000"/>
@@ -250,7 +252,7 @@
           <a:p>
             <a:fld id="{C262451B-073C-4FAC-8D0B-6648421A7945}" type="datetimeFigureOut">
               <a:rPr lang="fr-FR" smtClean="0"/>
-              <a:t>05/04/2020</a:t>
+              <a:t>06/04/2020</a:t>
             </a:fld>
             <a:endParaRPr lang="fr-FR"/>
           </a:p>
@@ -420,7 +422,7 @@
           <a:p>
             <a:fld id="{C262451B-073C-4FAC-8D0B-6648421A7945}" type="datetimeFigureOut">
               <a:rPr lang="fr-FR" smtClean="0"/>
-              <a:t>05/04/2020</a:t>
+              <a:t>06/04/2020</a:t>
             </a:fld>
             <a:endParaRPr lang="fr-FR"/>
           </a:p>
@@ -600,7 +602,7 @@
           <a:p>
             <a:fld id="{C262451B-073C-4FAC-8D0B-6648421A7945}" type="datetimeFigureOut">
               <a:rPr lang="fr-FR" smtClean="0"/>
-              <a:t>05/04/2020</a:t>
+              <a:t>06/04/2020</a:t>
             </a:fld>
             <a:endParaRPr lang="fr-FR"/>
           </a:p>
@@ -770,7 +772,7 @@
           <a:p>
             <a:fld id="{C262451B-073C-4FAC-8D0B-6648421A7945}" type="datetimeFigureOut">
               <a:rPr lang="fr-FR" smtClean="0"/>
-              <a:t>05/04/2020</a:t>
+              <a:t>06/04/2020</a:t>
             </a:fld>
             <a:endParaRPr lang="fr-FR"/>
           </a:p>
@@ -1016,7 +1018,7 @@
           <a:p>
             <a:fld id="{C262451B-073C-4FAC-8D0B-6648421A7945}" type="datetimeFigureOut">
               <a:rPr lang="fr-FR" smtClean="0"/>
-              <a:t>05/04/2020</a:t>
+              <a:t>06/04/2020</a:t>
             </a:fld>
             <a:endParaRPr lang="fr-FR"/>
           </a:p>
@@ -1248,7 +1250,7 @@
           <a:p>
             <a:fld id="{C262451B-073C-4FAC-8D0B-6648421A7945}" type="datetimeFigureOut">
               <a:rPr lang="fr-FR" smtClean="0"/>
-              <a:t>05/04/2020</a:t>
+              <a:t>06/04/2020</a:t>
             </a:fld>
             <a:endParaRPr lang="fr-FR"/>
           </a:p>
@@ -1615,7 +1617,7 @@
           <a:p>
             <a:fld id="{C262451B-073C-4FAC-8D0B-6648421A7945}" type="datetimeFigureOut">
               <a:rPr lang="fr-FR" smtClean="0"/>
-              <a:t>05/04/2020</a:t>
+              <a:t>06/04/2020</a:t>
             </a:fld>
             <a:endParaRPr lang="fr-FR"/>
           </a:p>
@@ -1733,7 +1735,7 @@
           <a:p>
             <a:fld id="{C262451B-073C-4FAC-8D0B-6648421A7945}" type="datetimeFigureOut">
               <a:rPr lang="fr-FR" smtClean="0"/>
-              <a:t>05/04/2020</a:t>
+              <a:t>06/04/2020</a:t>
             </a:fld>
             <a:endParaRPr lang="fr-FR"/>
           </a:p>
@@ -1828,7 +1830,7 @@
           <a:p>
             <a:fld id="{C262451B-073C-4FAC-8D0B-6648421A7945}" type="datetimeFigureOut">
               <a:rPr lang="fr-FR" smtClean="0"/>
-              <a:t>05/04/2020</a:t>
+              <a:t>06/04/2020</a:t>
             </a:fld>
             <a:endParaRPr lang="fr-FR"/>
           </a:p>
@@ -2105,7 +2107,7 @@
           <a:p>
             <a:fld id="{C262451B-073C-4FAC-8D0B-6648421A7945}" type="datetimeFigureOut">
               <a:rPr lang="fr-FR" smtClean="0"/>
-              <a:t>05/04/2020</a:t>
+              <a:t>06/04/2020</a:t>
             </a:fld>
             <a:endParaRPr lang="fr-FR"/>
           </a:p>
@@ -2358,7 +2360,7 @@
           <a:p>
             <a:fld id="{C262451B-073C-4FAC-8D0B-6648421A7945}" type="datetimeFigureOut">
               <a:rPr lang="fr-FR" smtClean="0"/>
-              <a:t>05/04/2020</a:t>
+              <a:t>06/04/2020</a:t>
             </a:fld>
             <a:endParaRPr lang="fr-FR"/>
           </a:p>
@@ -2571,7 +2573,7 @@
           <a:p>
             <a:fld id="{C262451B-073C-4FAC-8D0B-6648421A7945}" type="datetimeFigureOut">
               <a:rPr lang="fr-FR" smtClean="0"/>
-              <a:t>05/04/2020</a:t>
+              <a:t>06/04/2020</a:t>
             </a:fld>
             <a:endParaRPr lang="fr-FR"/>
           </a:p>
@@ -3005,23 +3007,7 @@
                   <a:srgbClr val="0070C0"/>
                 </a:solidFill>
               </a:rPr>
-              <a:t>LP09 </a:t>
-            </a:r>
-            <a:r>
-              <a:rPr lang="fr-FR" b="1" dirty="0" smtClean="0">
-                <a:solidFill>
-                  <a:srgbClr val="0070C0"/>
-                </a:solidFill>
-              </a:rPr>
-              <a:t>: </a:t>
-            </a:r>
-            <a:r>
-              <a:rPr lang="fr-FR" b="1" dirty="0" smtClean="0">
-                <a:solidFill>
-                  <a:srgbClr val="0070C0"/>
-                </a:solidFill>
-              </a:rPr>
-              <a:t>Conversion de puissance 			électromécanique</a:t>
+              <a:t>LP09 : Conversion de puissance 			électromécanique</a:t>
             </a:r>
             <a:endParaRPr lang="fr-FR" dirty="0">
               <a:solidFill>
@@ -3097,6 +3083,176 @@
 </p:sld>
 </file>
 
+<file path=ppt/slides/slide10.xml><?xml version="1.0" encoding="utf-8"?>
+<p:sld xmlns:a="http://schemas.openxmlformats.org/drawingml/2006/main" xmlns:r="http://schemas.openxmlformats.org/officeDocument/2006/relationships" xmlns:p="http://schemas.openxmlformats.org/presentationml/2006/main">
+  <p:cSld>
+    <p:spTree>
+      <p:nvGrpSpPr>
+        <p:cNvPr id="1" name=""/>
+        <p:cNvGrpSpPr/>
+        <p:nvPr/>
+      </p:nvGrpSpPr>
+      <p:grpSpPr>
+        <a:xfrm>
+          <a:off x="0" y="0"/>
+          <a:ext cx="0" cy="0"/>
+          <a:chOff x="0" y="0"/>
+          <a:chExt cx="0" cy="0"/>
+        </a:xfrm>
+      </p:grpSpPr>
+      <p:sp>
+        <p:nvSpPr>
+          <p:cNvPr id="4" name="Titre 1"/>
+          <p:cNvSpPr txBox="1">
+            <a:spLocks/>
+          </p:cNvSpPr>
+          <p:nvPr/>
+        </p:nvSpPr>
+        <p:spPr>
+          <a:xfrm>
+            <a:off x="0" y="0"/>
+            <a:ext cx="12192000" cy="747252"/>
+          </a:xfrm>
+          <a:prstGeom prst="rect">
+            <a:avLst/>
+          </a:prstGeom>
+        </p:spPr>
+        <p:txBody>
+          <a:bodyPr vert="horz" lIns="91440" tIns="45720" rIns="91440" bIns="45720" rtlCol="0" anchor="ctr">
+            <a:normAutofit/>
+          </a:bodyPr>
+          <a:lstStyle>
+            <a:lvl1pPr algn="l" defTabSz="914400" rtl="0" eaLnBrk="1" latinLnBrk="0" hangingPunct="1">
+              <a:lnSpc>
+                <a:spcPct val="90000"/>
+              </a:lnSpc>
+              <a:spcBef>
+                <a:spcPct val="0"/>
+              </a:spcBef>
+              <a:buNone/>
+              <a:defRPr sz="4400" kern="1200">
+                <a:solidFill>
+                  <a:schemeClr val="tx1"/>
+                </a:solidFill>
+                <a:latin typeface="+mj-lt"/>
+                <a:ea typeface="+mj-ea"/>
+                <a:cs typeface="+mj-cs"/>
+              </a:defRPr>
+            </a:lvl1pPr>
+          </a:lstStyle>
+          <a:p>
+            <a:r>
+              <a:rPr lang="fr-FR" sz="3600" b="1" dirty="0" smtClean="0">
+                <a:solidFill>
+                  <a:srgbClr val="0070C0"/>
+                </a:solidFill>
+              </a:rPr>
+              <a:t>  Caractéristique de la machine synchrone</a:t>
+            </a:r>
+            <a:endParaRPr lang="fr-FR" sz="3600" dirty="0">
+              <a:solidFill>
+                <a:srgbClr val="0070C0"/>
+              </a:solidFill>
+            </a:endParaRPr>
+          </a:p>
+        </p:txBody>
+      </p:sp>
+      <p:cxnSp>
+        <p:nvCxnSpPr>
+          <p:cNvPr id="5" name="Connecteur droit 4"/>
+          <p:cNvCxnSpPr/>
+          <p:nvPr/>
+        </p:nvCxnSpPr>
+        <p:spPr>
+          <a:xfrm>
+            <a:off x="220983" y="747252"/>
+            <a:ext cx="11754707" cy="0"/>
+          </a:xfrm>
+          <a:prstGeom prst="line">
+            <a:avLst/>
+          </a:prstGeom>
+          <a:ln w="76200">
+            <a:gradFill flip="none" rotWithShape="1">
+              <a:gsLst>
+                <a:gs pos="0">
+                  <a:srgbClr val="0070C0"/>
+                </a:gs>
+                <a:gs pos="100000">
+                  <a:srgbClr val="0070C0">
+                    <a:alpha val="25000"/>
+                  </a:srgbClr>
+                </a:gs>
+              </a:gsLst>
+              <a:lin ang="0" scaled="1"/>
+              <a:tileRect/>
+            </a:gradFill>
+          </a:ln>
+        </p:spPr>
+        <p:style>
+          <a:lnRef idx="1">
+            <a:schemeClr val="accent1"/>
+          </a:lnRef>
+          <a:fillRef idx="0">
+            <a:schemeClr val="accent1"/>
+          </a:fillRef>
+          <a:effectRef idx="0">
+            <a:schemeClr val="accent1"/>
+          </a:effectRef>
+          <a:fontRef idx="minor">
+            <a:schemeClr val="tx1"/>
+          </a:fontRef>
+        </p:style>
+      </p:cxnSp>
+      <p:pic>
+        <p:nvPicPr>
+          <p:cNvPr id="2" name="Image 1"/>
+          <p:cNvPicPr>
+            <a:picLocks noChangeAspect="1"/>
+          </p:cNvPicPr>
+          <p:nvPr/>
+        </p:nvPicPr>
+        <p:blipFill>
+          <a:blip r:embed="rId2" cstate="print">
+            <a:extLst>
+              <a:ext uri="{28A0092B-C50C-407E-A947-70E740481C1C}">
+                <a14:useLocalDpi xmlns:a14="http://schemas.microsoft.com/office/drawing/2010/main" val="0"/>
+              </a:ext>
+            </a:extLst>
+          </a:blip>
+          <a:stretch>
+            <a:fillRect/>
+          </a:stretch>
+        </p:blipFill>
+        <p:spPr>
+          <a:xfrm>
+            <a:off x="2160932" y="890700"/>
+            <a:ext cx="7861254" cy="5876766"/>
+          </a:xfrm>
+          <a:prstGeom prst="rect">
+            <a:avLst/>
+          </a:prstGeom>
+        </p:spPr>
+      </p:pic>
+    </p:spTree>
+    <p:extLst>
+      <p:ext uri="{BB962C8B-B14F-4D97-AF65-F5344CB8AC3E}">
+        <p14:creationId xmlns:p14="http://schemas.microsoft.com/office/powerpoint/2010/main" val="2771646588"/>
+      </p:ext>
+    </p:extLst>
+  </p:cSld>
+  <p:clrMapOvr>
+    <a:masterClrMapping/>
+  </p:clrMapOvr>
+  <p:timing>
+    <p:tnLst>
+      <p:par>
+        <p:cTn id="1" dur="indefinite" restart="never" nodeType="tmRoot"/>
+      </p:par>
+    </p:tnLst>
+  </p:timing>
+</p:sld>
+</file>
+
 <file path=ppt/slides/slide2.xml><?xml version="1.0" encoding="utf-8"?>
 <p:sld xmlns:a="http://schemas.openxmlformats.org/drawingml/2006/main" xmlns:r="http://schemas.openxmlformats.org/officeDocument/2006/relationships" xmlns:p="http://schemas.openxmlformats.org/presentationml/2006/main">
   <p:cSld>
@@ -3161,15 +3317,7 @@
                   <a:srgbClr val="0070C0"/>
                 </a:solidFill>
               </a:rPr>
-              <a:t> </a:t>
-            </a:r>
-            <a:r>
-              <a:rPr lang="fr-FR" sz="3600" b="1" dirty="0" smtClean="0">
-                <a:solidFill>
-                  <a:srgbClr val="0070C0"/>
-                </a:solidFill>
-              </a:rPr>
-              <a:t> Modèle de la machine à courant continu</a:t>
+              <a:t>  Modèle de la machine à courant continu</a:t>
             </a:r>
             <a:endParaRPr lang="fr-FR" sz="3600" dirty="0">
               <a:solidFill>
@@ -3369,15 +3517,7 @@
                   <a:srgbClr val="0070C0"/>
                 </a:solidFill>
               </a:rPr>
-              <a:t> </a:t>
-            </a:r>
-            <a:r>
-              <a:rPr lang="fr-FR" sz="3600" b="1" dirty="0" smtClean="0">
-                <a:solidFill>
-                  <a:srgbClr val="0070C0"/>
-                </a:solidFill>
-              </a:rPr>
-              <a:t> Couple de la machine à courant continu</a:t>
+              <a:t>  Couple de la machine à courant continu</a:t>
             </a:r>
             <a:endParaRPr lang="fr-FR" sz="3600" dirty="0">
               <a:solidFill>
@@ -3547,15 +3687,7 @@
                   <a:srgbClr val="0070C0"/>
                 </a:solidFill>
               </a:rPr>
-              <a:t> </a:t>
-            </a:r>
-            <a:r>
-              <a:rPr lang="fr-FR" sz="3600" b="1" dirty="0" smtClean="0">
-                <a:solidFill>
-                  <a:srgbClr val="0070C0"/>
-                </a:solidFill>
-              </a:rPr>
-              <a:t> La machine à courant continu</a:t>
+              <a:t>  La machine à courant continu</a:t>
             </a:r>
             <a:endParaRPr lang="fr-FR" sz="3600" dirty="0">
               <a:solidFill>
@@ -3725,15 +3857,7 @@
                   <a:srgbClr val="0070C0"/>
                 </a:solidFill>
               </a:rPr>
-              <a:t> </a:t>
-            </a:r>
-            <a:r>
-              <a:rPr lang="fr-FR" sz="3600" b="1" dirty="0" smtClean="0">
-                <a:solidFill>
-                  <a:srgbClr val="0070C0"/>
-                </a:solidFill>
-              </a:rPr>
-              <a:t> Création d’un champ tournant en triphasé</a:t>
+              <a:t>  Création d’un champ tournant en triphasé</a:t>
             </a:r>
             <a:endParaRPr lang="fr-FR" sz="3600" dirty="0">
               <a:solidFill>
@@ -3903,15 +4027,7 @@
                   <a:srgbClr val="0070C0"/>
                 </a:solidFill>
               </a:rPr>
-              <a:t> </a:t>
-            </a:r>
-            <a:r>
-              <a:rPr lang="fr-FR" sz="3600" b="1" dirty="0" smtClean="0">
-                <a:solidFill>
-                  <a:srgbClr val="0070C0"/>
-                </a:solidFill>
-              </a:rPr>
-              <a:t> Modèle de la machine synchrone</a:t>
+              <a:t>  Modèle de la machine synchrone</a:t>
             </a:r>
             <a:endParaRPr lang="fr-FR" sz="3600" dirty="0">
               <a:solidFill>
@@ -3990,8 +4106,8 @@
           </a:prstGeom>
         </p:spPr>
       </p:pic>
-      <mc:AlternateContent xmlns:mc="http://schemas.openxmlformats.org/markup-compatibility/2006">
-        <mc:Choice xmlns:a14="http://schemas.microsoft.com/office/drawing/2010/main" Requires="a14">
+      <mc:AlternateContent xmlns:mc="http://schemas.openxmlformats.org/markup-compatibility/2006" xmlns:a14="http://schemas.microsoft.com/office/drawing/2010/main">
+        <mc:Choice Requires="a14">
           <p:sp>
             <p:nvSpPr>
               <p:cNvPr id="6" name="ZoneTexte 5"/>
@@ -4154,7 +4270,7 @@
             </p:txBody>
           </p:sp>
         </mc:Choice>
-        <mc:Fallback>
+        <mc:Fallback xmlns="">
           <p:sp>
             <p:nvSpPr>
               <p:cNvPr id="6" name="ZoneTexte 5"/>
@@ -4277,15 +4393,7 @@
                   <a:srgbClr val="0070C0"/>
                 </a:solidFill>
               </a:rPr>
-              <a:t> </a:t>
-            </a:r>
-            <a:r>
-              <a:rPr lang="fr-FR" sz="3600" b="1" dirty="0" smtClean="0">
-                <a:solidFill>
-                  <a:srgbClr val="0070C0"/>
-                </a:solidFill>
-              </a:rPr>
-              <a:t> Champ </a:t>
+              <a:t>  Champ </a:t>
             </a:r>
             <a:r>
               <a:rPr lang="fr-FR" sz="3600" b="1" dirty="0" err="1" smtClean="0">
@@ -4597,15 +4705,15 @@
                   <a:srgbClr val="0070C0"/>
                 </a:solidFill>
               </a:rPr>
-              <a:t> </a:t>
-            </a:r>
-            <a:r>
-              <a:rPr lang="fr-FR" sz="3600" b="1" dirty="0" smtClean="0">
+              <a:t>  Champ </a:t>
+            </a:r>
+            <a:r>
+              <a:rPr lang="fr-FR" sz="3600" b="1" dirty="0" err="1" smtClean="0">
                 <a:solidFill>
                   <a:srgbClr val="0070C0"/>
                 </a:solidFill>
               </a:rPr>
-              <a:t> Caractéristique de la machine synchrone</a:t>
+              <a:t>statorique</a:t>
             </a:r>
             <a:endParaRPr lang="fr-FR" sz="3600" dirty="0">
               <a:solidFill>
@@ -4663,7 +4771,7 @@
       </p:cxnSp>
       <p:pic>
         <p:nvPicPr>
-          <p:cNvPr id="2" name="Image 1"/>
+          <p:cNvPr id="11" name="Image 10"/>
           <p:cNvPicPr>
             <a:picLocks noChangeAspect="1"/>
           </p:cNvPicPr>
@@ -4683,8 +4791,398 @@
         </p:blipFill>
         <p:spPr>
           <a:xfrm>
-            <a:off x="2160932" y="890700"/>
-            <a:ext cx="7861254" cy="5876766"/>
+            <a:off x="6430934" y="879192"/>
+            <a:ext cx="5544756" cy="5544756"/>
+          </a:xfrm>
+          <a:prstGeom prst="rect">
+            <a:avLst/>
+          </a:prstGeom>
+        </p:spPr>
+      </p:pic>
+      <p:pic>
+        <p:nvPicPr>
+          <p:cNvPr id="12" name="Image 11"/>
+          <p:cNvPicPr>
+            <a:picLocks noChangeAspect="1"/>
+          </p:cNvPicPr>
+          <p:nvPr/>
+        </p:nvPicPr>
+        <p:blipFill>
+          <a:blip r:embed="rId3" cstate="print">
+            <a:extLst>
+              <a:ext uri="{28A0092B-C50C-407E-A947-70E740481C1C}">
+                <a14:useLocalDpi xmlns:a14="http://schemas.microsoft.com/office/drawing/2010/main" val="0"/>
+              </a:ext>
+            </a:extLst>
+          </a:blip>
+          <a:stretch>
+            <a:fillRect/>
+          </a:stretch>
+        </p:blipFill>
+        <p:spPr>
+          <a:xfrm>
+            <a:off x="220982" y="879191"/>
+            <a:ext cx="5544757" cy="5544757"/>
+          </a:xfrm>
+          <a:prstGeom prst="rect">
+            <a:avLst/>
+          </a:prstGeom>
+        </p:spPr>
+      </p:pic>
+      <p:sp>
+        <p:nvSpPr>
+          <p:cNvPr id="16" name="ZoneTexte 15"/>
+          <p:cNvSpPr txBox="1"/>
+          <p:nvPr/>
+        </p:nvSpPr>
+        <p:spPr>
+          <a:xfrm>
+            <a:off x="1592752" y="5868365"/>
+            <a:ext cx="2801216" cy="369332"/>
+          </a:xfrm>
+          <a:prstGeom prst="rect">
+            <a:avLst/>
+          </a:prstGeom>
+          <a:noFill/>
+        </p:spPr>
+        <p:txBody>
+          <a:bodyPr wrap="none" rtlCol="0">
+            <a:spAutoFit/>
+          </a:bodyPr>
+          <a:lstStyle/>
+          <a:p>
+            <a:r>
+              <a:rPr lang="fr-FR" b="1" dirty="0" smtClean="0">
+                <a:solidFill>
+                  <a:schemeClr val="accent6"/>
+                </a:solidFill>
+              </a:rPr>
+              <a:t>Champ </a:t>
+            </a:r>
+            <a:r>
+              <a:rPr lang="fr-FR" b="1" dirty="0" err="1" smtClean="0">
+                <a:solidFill>
+                  <a:schemeClr val="accent6"/>
+                </a:solidFill>
+              </a:rPr>
+              <a:t>statorique</a:t>
+            </a:r>
+            <a:r>
+              <a:rPr lang="fr-FR" b="1" dirty="0" smtClean="0">
+                <a:solidFill>
+                  <a:schemeClr val="accent6"/>
+                </a:solidFill>
+              </a:rPr>
+              <a:t> - Phase 1</a:t>
+            </a:r>
+            <a:endParaRPr lang="fr-FR" b="1" dirty="0">
+              <a:solidFill>
+                <a:schemeClr val="accent6"/>
+              </a:solidFill>
+            </a:endParaRPr>
+          </a:p>
+        </p:txBody>
+      </p:sp>
+      <p:sp>
+        <p:nvSpPr>
+          <p:cNvPr id="17" name="ZoneTexte 16"/>
+          <p:cNvSpPr txBox="1"/>
+          <p:nvPr/>
+        </p:nvSpPr>
+        <p:spPr>
+          <a:xfrm>
+            <a:off x="7802704" y="5856790"/>
+            <a:ext cx="2801216" cy="369332"/>
+          </a:xfrm>
+          <a:prstGeom prst="rect">
+            <a:avLst/>
+          </a:prstGeom>
+          <a:noFill/>
+        </p:spPr>
+        <p:txBody>
+          <a:bodyPr wrap="none" rtlCol="0">
+            <a:spAutoFit/>
+          </a:bodyPr>
+          <a:lstStyle/>
+          <a:p>
+            <a:r>
+              <a:rPr lang="fr-FR" b="1" dirty="0" smtClean="0">
+                <a:solidFill>
+                  <a:srgbClr val="CD2727"/>
+                </a:solidFill>
+              </a:rPr>
+              <a:t>Champ </a:t>
+            </a:r>
+            <a:r>
+              <a:rPr lang="fr-FR" b="1" dirty="0" err="1" smtClean="0">
+                <a:solidFill>
+                  <a:srgbClr val="CD2727"/>
+                </a:solidFill>
+              </a:rPr>
+              <a:t>statorique</a:t>
+            </a:r>
+            <a:r>
+              <a:rPr lang="fr-FR" b="1" dirty="0" smtClean="0">
+                <a:solidFill>
+                  <a:srgbClr val="CD2727"/>
+                </a:solidFill>
+              </a:rPr>
+              <a:t> - Phase 2</a:t>
+            </a:r>
+            <a:endParaRPr lang="fr-FR" b="1" dirty="0">
+              <a:solidFill>
+                <a:srgbClr val="CD2727"/>
+              </a:solidFill>
+            </a:endParaRPr>
+          </a:p>
+        </p:txBody>
+      </p:sp>
+    </p:spTree>
+    <p:extLst>
+      <p:ext uri="{BB962C8B-B14F-4D97-AF65-F5344CB8AC3E}">
+        <p14:creationId xmlns:p14="http://schemas.microsoft.com/office/powerpoint/2010/main" val="3178054830"/>
+      </p:ext>
+    </p:extLst>
+  </p:cSld>
+  <p:clrMapOvr>
+    <a:masterClrMapping/>
+  </p:clrMapOvr>
+  <p:timing>
+    <p:tnLst>
+      <p:par>
+        <p:cTn id="1" dur="indefinite" restart="never" nodeType="tmRoot">
+          <p:childTnLst>
+            <p:seq concurrent="1" nextAc="seek">
+              <p:cTn id="2" dur="indefinite" nodeType="mainSeq">
+                <p:childTnLst>
+                  <p:par>
+                    <p:cTn id="3" fill="hold">
+                      <p:stCondLst>
+                        <p:cond delay="indefinite"/>
+                        <p:cond evt="onBegin" delay="0">
+                          <p:tn val="2"/>
+                        </p:cond>
+                      </p:stCondLst>
+                      <p:childTnLst>
+                        <p:par>
+                          <p:cTn id="4" fill="hold">
+                            <p:stCondLst>
+                              <p:cond delay="0"/>
+                            </p:stCondLst>
+                            <p:childTnLst>
+                              <p:par>
+                                <p:cTn id="5" presetID="1" presetClass="entr" presetSubtype="0" fill="hold" grpId="0" nodeType="withEffect">
+                                  <p:stCondLst>
+                                    <p:cond delay="0"/>
+                                  </p:stCondLst>
+                                  <p:childTnLst>
+                                    <p:set>
+                                      <p:cBhvr>
+                                        <p:cTn id="6" dur="1" fill="hold">
+                                          <p:stCondLst>
+                                            <p:cond delay="0"/>
+                                          </p:stCondLst>
+                                        </p:cTn>
+                                        <p:tgtEl>
+                                          <p:spTgt spid="17"/>
+                                        </p:tgtEl>
+                                        <p:attrNameLst>
+                                          <p:attrName>style.visibility</p:attrName>
+                                        </p:attrNameLst>
+                                      </p:cBhvr>
+                                      <p:to>
+                                        <p:strVal val="visible"/>
+                                      </p:to>
+                                    </p:set>
+                                  </p:childTnLst>
+                                </p:cTn>
+                              </p:par>
+                            </p:childTnLst>
+                          </p:cTn>
+                        </p:par>
+                      </p:childTnLst>
+                    </p:cTn>
+                  </p:par>
+                </p:childTnLst>
+              </p:cTn>
+              <p:prevCondLst>
+                <p:cond evt="onPrev" delay="0">
+                  <p:tgtEl>
+                    <p:sldTgt/>
+                  </p:tgtEl>
+                </p:cond>
+              </p:prevCondLst>
+              <p:nextCondLst>
+                <p:cond evt="onNext" delay="0">
+                  <p:tgtEl>
+                    <p:sldTgt/>
+                  </p:tgtEl>
+                </p:cond>
+              </p:nextCondLst>
+            </p:seq>
+          </p:childTnLst>
+        </p:cTn>
+      </p:par>
+    </p:tnLst>
+    <p:bldLst>
+      <p:bldP spid="17" grpId="0"/>
+    </p:bldLst>
+  </p:timing>
+</p:sld>
+</file>
+
+<file path=ppt/slides/slide9.xml><?xml version="1.0" encoding="utf-8"?>
+<p:sld xmlns:a="http://schemas.openxmlformats.org/drawingml/2006/main" xmlns:r="http://schemas.openxmlformats.org/officeDocument/2006/relationships" xmlns:p="http://schemas.openxmlformats.org/presentationml/2006/main">
+  <p:cSld>
+    <p:spTree>
+      <p:nvGrpSpPr>
+        <p:cNvPr id="1" name=""/>
+        <p:cNvGrpSpPr/>
+        <p:nvPr/>
+      </p:nvGrpSpPr>
+      <p:grpSpPr>
+        <a:xfrm>
+          <a:off x="0" y="0"/>
+          <a:ext cx="0" cy="0"/>
+          <a:chOff x="0" y="0"/>
+          <a:chExt cx="0" cy="0"/>
+        </a:xfrm>
+      </p:grpSpPr>
+      <p:sp>
+        <p:nvSpPr>
+          <p:cNvPr id="4" name="Titre 1"/>
+          <p:cNvSpPr txBox="1">
+            <a:spLocks/>
+          </p:cNvSpPr>
+          <p:nvPr/>
+        </p:nvSpPr>
+        <p:spPr>
+          <a:xfrm>
+            <a:off x="0" y="0"/>
+            <a:ext cx="12192000" cy="747252"/>
+          </a:xfrm>
+          <a:prstGeom prst="rect">
+            <a:avLst/>
+          </a:prstGeom>
+        </p:spPr>
+        <p:txBody>
+          <a:bodyPr vert="horz" lIns="91440" tIns="45720" rIns="91440" bIns="45720" rtlCol="0" anchor="ctr">
+            <a:normAutofit/>
+          </a:bodyPr>
+          <a:lstStyle>
+            <a:lvl1pPr algn="l" defTabSz="914400" rtl="0" eaLnBrk="1" latinLnBrk="0" hangingPunct="1">
+              <a:lnSpc>
+                <a:spcPct val="90000"/>
+              </a:lnSpc>
+              <a:spcBef>
+                <a:spcPct val="0"/>
+              </a:spcBef>
+              <a:buNone/>
+              <a:defRPr sz="4400" kern="1200">
+                <a:solidFill>
+                  <a:schemeClr val="tx1"/>
+                </a:solidFill>
+                <a:latin typeface="+mj-lt"/>
+                <a:ea typeface="+mj-ea"/>
+                <a:cs typeface="+mj-cs"/>
+              </a:defRPr>
+            </a:lvl1pPr>
+          </a:lstStyle>
+          <a:p>
+            <a:r>
+              <a:rPr lang="fr-FR" sz="3600" b="1" dirty="0" smtClean="0">
+                <a:solidFill>
+                  <a:srgbClr val="0070C0"/>
+                </a:solidFill>
+              </a:rPr>
+              <a:t>  Champ </a:t>
+            </a:r>
+            <a:r>
+              <a:rPr lang="fr-FR" sz="3600" b="1" dirty="0" err="1" smtClean="0">
+                <a:solidFill>
+                  <a:srgbClr val="0070C0"/>
+                </a:solidFill>
+              </a:rPr>
+              <a:t>statorique</a:t>
+            </a:r>
+            <a:endParaRPr lang="fr-FR" sz="3600" dirty="0">
+              <a:solidFill>
+                <a:srgbClr val="0070C0"/>
+              </a:solidFill>
+            </a:endParaRPr>
+          </a:p>
+        </p:txBody>
+      </p:sp>
+      <p:cxnSp>
+        <p:nvCxnSpPr>
+          <p:cNvPr id="5" name="Connecteur droit 4"/>
+          <p:cNvCxnSpPr/>
+          <p:nvPr/>
+        </p:nvCxnSpPr>
+        <p:spPr>
+          <a:xfrm>
+            <a:off x="220983" y="747252"/>
+            <a:ext cx="11754707" cy="0"/>
+          </a:xfrm>
+          <a:prstGeom prst="line">
+            <a:avLst/>
+          </a:prstGeom>
+          <a:ln w="76200">
+            <a:gradFill flip="none" rotWithShape="1">
+              <a:gsLst>
+                <a:gs pos="0">
+                  <a:srgbClr val="0070C0"/>
+                </a:gs>
+                <a:gs pos="100000">
+                  <a:srgbClr val="0070C0">
+                    <a:alpha val="25000"/>
+                  </a:srgbClr>
+                </a:gs>
+              </a:gsLst>
+              <a:lin ang="0" scaled="1"/>
+              <a:tileRect/>
+            </a:gradFill>
+          </a:ln>
+        </p:spPr>
+        <p:style>
+          <a:lnRef idx="1">
+            <a:schemeClr val="accent1"/>
+          </a:lnRef>
+          <a:fillRef idx="0">
+            <a:schemeClr val="accent1"/>
+          </a:fillRef>
+          <a:effectRef idx="0">
+            <a:schemeClr val="accent1"/>
+          </a:effectRef>
+          <a:fontRef idx="minor">
+            <a:schemeClr val="tx1"/>
+          </a:fontRef>
+        </p:style>
+      </p:cxnSp>
+      <p:pic>
+        <p:nvPicPr>
+          <p:cNvPr id="13" name="Image 12"/>
+          <p:cNvPicPr>
+            <a:picLocks noChangeAspect="1"/>
+          </p:cNvPicPr>
+          <p:nvPr/>
+        </p:nvPicPr>
+        <p:blipFill>
+          <a:blip r:embed="rId2" cstate="print">
+            <a:extLst>
+              <a:ext uri="{28A0092B-C50C-407E-A947-70E740481C1C}">
+                <a14:useLocalDpi xmlns:a14="http://schemas.microsoft.com/office/drawing/2010/main" val="0"/>
+              </a:ext>
+            </a:extLst>
+          </a:blip>
+          <a:stretch>
+            <a:fillRect/>
+          </a:stretch>
+        </p:blipFill>
+        <p:spPr>
+          <a:xfrm>
+            <a:off x="3259764" y="989500"/>
+            <a:ext cx="5672471" cy="5672471"/>
           </a:xfrm>
           <a:prstGeom prst="rect">
             <a:avLst/>
@@ -4694,7 +5192,7 @@
     </p:spTree>
     <p:extLst>
       <p:ext uri="{BB962C8B-B14F-4D97-AF65-F5344CB8AC3E}">
-        <p14:creationId xmlns:p14="http://schemas.microsoft.com/office/powerpoint/2010/main" val="2771646588"/>
+        <p14:creationId xmlns:p14="http://schemas.microsoft.com/office/powerpoint/2010/main" val="53390587"/>
       </p:ext>
     </p:extLst>
   </p:cSld>
